--- a/chirashi.pptx
+++ b/chirashi.pptx
@@ -3512,6 +3512,14 @@
   <p:clrMapOvr>
     <a:masterClrMapping/>
   </p:clrMapOvr>
+  <mc:AlternateContent xmlns:mc="http://schemas.openxmlformats.org/markup-compatibility/2006">
+    <mc:Choice xmlns:p14="http://schemas.microsoft.com/office/powerpoint/2010/main" Requires="p14">
+      <p:transition spd="slow" p14:dur="2000" advTm="1184"/>
+    </mc:Choice>
+    <mc:Fallback>
+      <p:transition spd="slow" advTm="1184"/>
+    </mc:Fallback>
+  </mc:AlternateContent>
 </p:sld>
 </file>
 

--- a/chirashi.pptx
+++ b/chirashi.pptx
@@ -3512,11 +3512,11 @@
   <p:clrMapOvr>
     <a:masterClrMapping/>
   </p:clrMapOvr>
-  <mc:AlternateContent xmlns:mc="http://schemas.openxmlformats.org/markup-compatibility/2006">
-    <mc:Choice xmlns:p14="http://schemas.microsoft.com/office/powerpoint/2010/main" Requires="p14">
+  <mc:AlternateContent xmlns:mc="http://schemas.openxmlformats.org/markup-compatibility/2006" xmlns:p14="http://schemas.microsoft.com/office/powerpoint/2010/main">
+    <mc:Choice Requires="p14">
       <p:transition spd="slow" p14:dur="2000" advTm="1184"/>
     </mc:Choice>
-    <mc:Fallback>
+    <mc:Fallback xmlns="">
       <p:transition spd="slow" advTm="1184"/>
     </mc:Fallback>
   </mc:AlternateContent>
@@ -3554,7 +3554,7 @@
         </p:nvSpPr>
         <p:spPr>
           <a:xfrm>
-            <a:off x="2105164" y="1068513"/>
+            <a:off x="2105164" y="679941"/>
             <a:ext cx="7981672" cy="1569660"/>
           </a:xfrm>
           <a:prstGeom prst="rect">
@@ -3617,7 +3617,7 @@
         </p:blipFill>
         <p:spPr>
           <a:xfrm>
-            <a:off x="4477285" y="2982717"/>
+            <a:off x="4477285" y="2594145"/>
             <a:ext cx="3237430" cy="3237430"/>
           </a:xfrm>
           <a:prstGeom prst="rect">
@@ -3625,6 +3625,59 @@
           </a:prstGeom>
         </p:spPr>
       </p:pic>
+      <p:sp>
+        <p:nvSpPr>
+          <p:cNvPr id="2" name="TextBox 1">
+            <a:extLst>
+              <a:ext uri="{FF2B5EF4-FFF2-40B4-BE49-F238E27FC236}">
+                <a16:creationId xmlns:a16="http://schemas.microsoft.com/office/drawing/2014/main" id="{CB953487-6880-7E4E-A87B-EB8362080F4B}"/>
+              </a:ext>
+            </a:extLst>
+          </p:cNvPr>
+          <p:cNvSpPr txBox="1"/>
+          <p:nvPr/>
+        </p:nvSpPr>
+        <p:spPr>
+          <a:xfrm>
+            <a:off x="7121894" y="5733952"/>
+            <a:ext cx="5070106" cy="1200329"/>
+          </a:xfrm>
+          <a:prstGeom prst="rect">
+            <a:avLst/>
+          </a:prstGeom>
+          <a:noFill/>
+        </p:spPr>
+        <p:txBody>
+          <a:bodyPr wrap="none" rtlCol="0">
+            <a:spAutoFit/>
+          </a:bodyPr>
+          <a:lstStyle/>
+          <a:p>
+            <a:r>
+              <a:rPr lang="en-US" sz="3600" b="1" dirty="0" err="1"/>
+              <a:t>WiFi</a:t>
+            </a:r>
+            <a:r>
+              <a:rPr lang="en-US" sz="3600" b="1" dirty="0"/>
+              <a:t>: </a:t>
+            </a:r>
+            <a:r>
+              <a:rPr lang="en-US" sz="3600" b="1" dirty="0" err="1"/>
+              <a:t>BcH</a:t>
+            </a:r>
+            <a:r>
+              <a:rPr lang="en-US" sz="3600" b="1" dirty="0"/>
+              <a:t> Guest</a:t>
+            </a:r>
+          </a:p>
+          <a:p>
+            <a:r>
+              <a:rPr lang="en-US" sz="3600" b="1" dirty="0"/>
+              <a:t>PW:   BlockchainHub2016</a:t>
+            </a:r>
+          </a:p>
+        </p:txBody>
+      </p:sp>
     </p:spTree>
     <p:extLst>
       <p:ext uri="{BB962C8B-B14F-4D97-AF65-F5344CB8AC3E}">

--- a/chirashi.pptx
+++ b/chirashi.pptx
@@ -260,7 +260,7 @@
           <a:p>
             <a:fld id="{4291F35A-A149-6D41-83FC-CDFE93DD8427}" type="datetimeFigureOut">
               <a:rPr lang="en-US" smtClean="0"/>
-              <a:t>9/19/19</a:t>
+              <a:t>10/3/19</a:t>
             </a:fld>
             <a:endParaRPr lang="en-US"/>
           </a:p>
@@ -458,7 +458,7 @@
           <a:p>
             <a:fld id="{4291F35A-A149-6D41-83FC-CDFE93DD8427}" type="datetimeFigureOut">
               <a:rPr lang="en-US" smtClean="0"/>
-              <a:t>9/19/19</a:t>
+              <a:t>10/3/19</a:t>
             </a:fld>
             <a:endParaRPr lang="en-US"/>
           </a:p>
@@ -666,7 +666,7 @@
           <a:p>
             <a:fld id="{4291F35A-A149-6D41-83FC-CDFE93DD8427}" type="datetimeFigureOut">
               <a:rPr lang="en-US" smtClean="0"/>
-              <a:t>9/19/19</a:t>
+              <a:t>10/3/19</a:t>
             </a:fld>
             <a:endParaRPr lang="en-US"/>
           </a:p>
@@ -864,7 +864,7 @@
           <a:p>
             <a:fld id="{4291F35A-A149-6D41-83FC-CDFE93DD8427}" type="datetimeFigureOut">
               <a:rPr lang="en-US" smtClean="0"/>
-              <a:t>9/19/19</a:t>
+              <a:t>10/3/19</a:t>
             </a:fld>
             <a:endParaRPr lang="en-US"/>
           </a:p>
@@ -1139,7 +1139,7 @@
           <a:p>
             <a:fld id="{4291F35A-A149-6D41-83FC-CDFE93DD8427}" type="datetimeFigureOut">
               <a:rPr lang="en-US" smtClean="0"/>
-              <a:t>9/19/19</a:t>
+              <a:t>10/3/19</a:t>
             </a:fld>
             <a:endParaRPr lang="en-US"/>
           </a:p>
@@ -1404,7 +1404,7 @@
           <a:p>
             <a:fld id="{4291F35A-A149-6D41-83FC-CDFE93DD8427}" type="datetimeFigureOut">
               <a:rPr lang="en-US" smtClean="0"/>
-              <a:t>9/19/19</a:t>
+              <a:t>10/3/19</a:t>
             </a:fld>
             <a:endParaRPr lang="en-US"/>
           </a:p>
@@ -1816,7 +1816,7 @@
           <a:p>
             <a:fld id="{4291F35A-A149-6D41-83FC-CDFE93DD8427}" type="datetimeFigureOut">
               <a:rPr lang="en-US" smtClean="0"/>
-              <a:t>9/19/19</a:t>
+              <a:t>10/3/19</a:t>
             </a:fld>
             <a:endParaRPr lang="en-US"/>
           </a:p>
@@ -1957,7 +1957,7 @@
           <a:p>
             <a:fld id="{4291F35A-A149-6D41-83FC-CDFE93DD8427}" type="datetimeFigureOut">
               <a:rPr lang="en-US" smtClean="0"/>
-              <a:t>9/19/19</a:t>
+              <a:t>10/3/19</a:t>
             </a:fld>
             <a:endParaRPr lang="en-US"/>
           </a:p>
@@ -2070,7 +2070,7 @@
           <a:p>
             <a:fld id="{4291F35A-A149-6D41-83FC-CDFE93DD8427}" type="datetimeFigureOut">
               <a:rPr lang="en-US" smtClean="0"/>
-              <a:t>9/19/19</a:t>
+              <a:t>10/3/19</a:t>
             </a:fld>
             <a:endParaRPr lang="en-US"/>
           </a:p>
@@ -2381,7 +2381,7 @@
           <a:p>
             <a:fld id="{4291F35A-A149-6D41-83FC-CDFE93DD8427}" type="datetimeFigureOut">
               <a:rPr lang="en-US" smtClean="0"/>
-              <a:t>9/19/19</a:t>
+              <a:t>10/3/19</a:t>
             </a:fld>
             <a:endParaRPr lang="en-US"/>
           </a:p>
@@ -2669,7 +2669,7 @@
           <a:p>
             <a:fld id="{4291F35A-A149-6D41-83FC-CDFE93DD8427}" type="datetimeFigureOut">
               <a:rPr lang="en-US" smtClean="0"/>
-              <a:t>9/19/19</a:t>
+              <a:t>10/3/19</a:t>
             </a:fld>
             <a:endParaRPr lang="en-US"/>
           </a:p>
@@ -2910,7 +2910,7 @@
           <a:p>
             <a:fld id="{4291F35A-A149-6D41-83FC-CDFE93DD8427}" type="datetimeFigureOut">
               <a:rPr lang="en-US" smtClean="0"/>
-              <a:t>9/19/19</a:t>
+              <a:t>10/3/19</a:t>
             </a:fld>
             <a:endParaRPr lang="en-US"/>
           </a:p>
@@ -3413,7 +3413,7 @@
             </a:r>
             <a:r>
               <a:rPr lang="en-US" altLang="ja-JP" sz="2800" b="1" dirty="0"/>
-              <a:t>1</a:t>
+              <a:t>2</a:t>
             </a:r>
             <a:r>
               <a:rPr lang="ja-JP" altLang="en-US" sz="2800" b="1"/>
@@ -3477,7 +3477,7 @@
             </a:r>
             <a:r>
               <a:rPr lang="en-US" altLang="ja-JP" sz="2400" dirty="0"/>
-              <a:t>500</a:t>
+              <a:t>2,000</a:t>
             </a:r>
             <a:r>
               <a:rPr lang="ja-JP" altLang="en-US" sz="2400"/>
@@ -3554,7 +3554,7 @@
         </p:nvSpPr>
         <p:spPr>
           <a:xfrm>
-            <a:off x="2105164" y="679941"/>
+            <a:off x="2105164" y="222741"/>
             <a:ext cx="7981672" cy="1569660"/>
           </a:xfrm>
           <a:prstGeom prst="rect">
@@ -3586,21 +3586,86 @@
           <a:p>
             <a:pPr algn="ctr"/>
             <a:r>
-              <a:rPr lang="en-US" sz="3200" b="1" dirty="0">
+              <a:rPr lang="en-US" altLang="ja-JP" sz="3200" b="1" dirty="0">
                 <a:hlinkClick r:id="rId2"/>
               </a:rPr>
-              <a:t>https://github.com/zettant/e2e-security-01</a:t>
-            </a:r>
-            <a:endParaRPr lang="en-US" sz="3200" b="1" dirty="0"/>
+              <a:t>https://github.com/zettant/e2e-security-02</a:t>
+            </a:r>
+            <a:endParaRPr lang="en-US" altLang="ja-JP" sz="3200" b="1" dirty="0"/>
+          </a:p>
+        </p:txBody>
+      </p:sp>
+      <p:sp>
+        <p:nvSpPr>
+          <p:cNvPr id="2" name="TextBox 1">
+            <a:extLst>
+              <a:ext uri="{FF2B5EF4-FFF2-40B4-BE49-F238E27FC236}">
+                <a16:creationId xmlns:a16="http://schemas.microsoft.com/office/drawing/2014/main" id="{CB953487-6880-7E4E-A87B-EB8362080F4B}"/>
+              </a:ext>
+            </a:extLst>
+          </p:cNvPr>
+          <p:cNvSpPr txBox="1"/>
+          <p:nvPr/>
+        </p:nvSpPr>
+        <p:spPr>
+          <a:xfrm>
+            <a:off x="5600700" y="5657671"/>
+            <a:ext cx="6591300" cy="1200329"/>
+          </a:xfrm>
+          <a:prstGeom prst="rect">
+            <a:avLst/>
+          </a:prstGeom>
+          <a:noFill/>
+        </p:spPr>
+        <p:txBody>
+          <a:bodyPr wrap="square" rtlCol="0">
+            <a:spAutoFit/>
+          </a:bodyPr>
+          <a:lstStyle/>
+          <a:p>
+            <a:r>
+              <a:rPr lang="en-US" sz="3600" b="1" dirty="0" err="1"/>
+              <a:t>WiFi</a:t>
+            </a:r>
+            <a:r>
+              <a:rPr lang="en-US" sz="3600" b="1" dirty="0"/>
+              <a:t>  </a:t>
+            </a:r>
+            <a:r>
+              <a:rPr lang="ja-JP" altLang="en-US" sz="3600" b="1"/>
+              <a:t>→</a:t>
+            </a:r>
+            <a:r>
+              <a:rPr lang="en-US" altLang="ja-JP" sz="3600" b="1" dirty="0"/>
+              <a:t>  </a:t>
+            </a:r>
+            <a:r>
+              <a:rPr lang="en-US" sz="3600" b="1" dirty="0"/>
+              <a:t>SSID: </a:t>
+            </a:r>
+            <a:r>
+              <a:rPr lang="en-US" sz="3600" b="1" dirty="0" err="1"/>
+              <a:t>BcH</a:t>
+            </a:r>
+            <a:r>
+              <a:rPr lang="en-US" sz="3600" b="1" dirty="0"/>
+              <a:t> Guest</a:t>
+            </a:r>
+          </a:p>
+          <a:p>
+            <a:r>
+              <a:rPr lang="en-US" sz="3600" b="1" dirty="0"/>
+              <a:t>                PW: BlockchainHub2016</a:t>
+            </a:r>
           </a:p>
         </p:txBody>
       </p:sp>
       <p:pic>
         <p:nvPicPr>
-          <p:cNvPr id="5" name="Picture 4">
-            <a:extLst>
-              <a:ext uri="{FF2B5EF4-FFF2-40B4-BE49-F238E27FC236}">
-                <a16:creationId xmlns:a16="http://schemas.microsoft.com/office/drawing/2014/main" id="{645F1C18-6311-9640-A3F7-C44C445F9BDA}"/>
+          <p:cNvPr id="6" name="Picture 5">
+            <a:extLst>
+              <a:ext uri="{FF2B5EF4-FFF2-40B4-BE49-F238E27FC236}">
+                <a16:creationId xmlns:a16="http://schemas.microsoft.com/office/drawing/2014/main" id="{762FA8B6-A860-4043-B958-629F3B569EC7}"/>
               </a:ext>
             </a:extLst>
           </p:cNvPr>
@@ -3617,67 +3682,14 @@
         </p:blipFill>
         <p:spPr>
           <a:xfrm>
-            <a:off x="4477285" y="2594145"/>
-            <a:ext cx="3237430" cy="3237430"/>
+            <a:off x="4107106" y="1736143"/>
+            <a:ext cx="3977787" cy="3977787"/>
           </a:xfrm>
           <a:prstGeom prst="rect">
             <a:avLst/>
           </a:prstGeom>
         </p:spPr>
       </p:pic>
-      <p:sp>
-        <p:nvSpPr>
-          <p:cNvPr id="2" name="TextBox 1">
-            <a:extLst>
-              <a:ext uri="{FF2B5EF4-FFF2-40B4-BE49-F238E27FC236}">
-                <a16:creationId xmlns:a16="http://schemas.microsoft.com/office/drawing/2014/main" id="{CB953487-6880-7E4E-A87B-EB8362080F4B}"/>
-              </a:ext>
-            </a:extLst>
-          </p:cNvPr>
-          <p:cNvSpPr txBox="1"/>
-          <p:nvPr/>
-        </p:nvSpPr>
-        <p:spPr>
-          <a:xfrm>
-            <a:off x="7121894" y="5733952"/>
-            <a:ext cx="5070106" cy="1200329"/>
-          </a:xfrm>
-          <a:prstGeom prst="rect">
-            <a:avLst/>
-          </a:prstGeom>
-          <a:noFill/>
-        </p:spPr>
-        <p:txBody>
-          <a:bodyPr wrap="none" rtlCol="0">
-            <a:spAutoFit/>
-          </a:bodyPr>
-          <a:lstStyle/>
-          <a:p>
-            <a:r>
-              <a:rPr lang="en-US" sz="3600" b="1" dirty="0" err="1"/>
-              <a:t>WiFi</a:t>
-            </a:r>
-            <a:r>
-              <a:rPr lang="en-US" sz="3600" b="1" dirty="0"/>
-              <a:t>: </a:t>
-            </a:r>
-            <a:r>
-              <a:rPr lang="en-US" sz="3600" b="1" dirty="0" err="1"/>
-              <a:t>BcH</a:t>
-            </a:r>
-            <a:r>
-              <a:rPr lang="en-US" sz="3600" b="1" dirty="0"/>
-              <a:t> Guest</a:t>
-            </a:r>
-          </a:p>
-          <a:p>
-            <a:r>
-              <a:rPr lang="en-US" sz="3600" b="1" dirty="0"/>
-              <a:t>PW:   BlockchainHub2016</a:t>
-            </a:r>
-          </a:p>
-        </p:txBody>
-      </p:sp>
     </p:spTree>
     <p:extLst>
       <p:ext uri="{BB962C8B-B14F-4D97-AF65-F5344CB8AC3E}">

--- a/chirashi.pptx
+++ b/chirashi.pptx
@@ -3349,8 +3349,8 @@
         </p:blipFill>
         <p:spPr>
           <a:xfrm>
-            <a:off x="221465" y="1403368"/>
-            <a:ext cx="3313701" cy="3313701"/>
+            <a:off x="684372" y="615876"/>
+            <a:ext cx="1160287" cy="1160287"/>
           </a:xfrm>
           <a:prstGeom prst="rect">
             <a:avLst/>
@@ -3371,8 +3371,8 @@
         </p:nvSpPr>
         <p:spPr>
           <a:xfrm>
-            <a:off x="3535166" y="1403368"/>
-            <a:ext cx="8617231" cy="1138773"/>
+            <a:off x="684372" y="1022111"/>
+            <a:ext cx="11246789" cy="1508105"/>
           </a:xfrm>
           <a:prstGeom prst="rect">
             <a:avLst/>
@@ -3380,43 +3380,47 @@
           <a:noFill/>
         </p:spPr>
         <p:txBody>
-          <a:bodyPr wrap="none" rtlCol="0">
+          <a:bodyPr wrap="square" rtlCol="0">
             <a:spAutoFit/>
           </a:bodyPr>
           <a:lstStyle/>
           <a:p>
             <a:r>
-              <a:rPr lang="ja-JP" altLang="en-US" sz="2000"/>
+              <a:rPr lang="en-US" altLang="ja-JP" sz="2800" dirty="0"/>
+              <a:t>                </a:t>
+            </a:r>
+            <a:r>
+              <a:rPr lang="ja-JP" altLang="en-US" sz="2800"/>
               <a:t>ゼタント勉強会</a:t>
             </a:r>
-            <a:endParaRPr lang="en-US" altLang="ja-JP" sz="2000" dirty="0"/>
-          </a:p>
-          <a:p>
-            <a:endParaRPr lang="en-US" sz="2000" b="1" dirty="0"/>
-          </a:p>
-          <a:p>
-            <a:r>
-              <a:rPr lang="en-US" sz="2800" b="1" dirty="0"/>
+            <a:endParaRPr lang="en-US" altLang="ja-JP" sz="2800" dirty="0"/>
+          </a:p>
+          <a:p>
+            <a:endParaRPr lang="en-US" sz="2800" b="1" dirty="0"/>
+          </a:p>
+          <a:p>
+            <a:r>
+              <a:rPr lang="en-US" sz="3600" b="1" dirty="0"/>
               <a:t>JavaScript</a:t>
             </a:r>
             <a:r>
-              <a:rPr lang="ja-JP" altLang="en-US" sz="2800" b="1"/>
+              <a:rPr lang="ja-JP" altLang="en-US" sz="3600" b="1"/>
               <a:t>を使って学ぶ</a:t>
             </a:r>
             <a:r>
-              <a:rPr lang="en-US" sz="2800" b="1" dirty="0"/>
+              <a:rPr lang="en-US" sz="3600" b="1" dirty="0"/>
               <a:t>End-to-End</a:t>
             </a:r>
             <a:r>
-              <a:rPr lang="ja-JP" altLang="en-US" sz="2800" b="1"/>
+              <a:rPr lang="ja-JP" altLang="en-US" sz="3600" b="1"/>
               <a:t>セキュリティ 第</a:t>
             </a:r>
             <a:r>
-              <a:rPr lang="en-US" altLang="ja-JP" sz="2800" b="1" dirty="0"/>
+              <a:rPr lang="en-US" altLang="ja-JP" sz="3600" b="1" dirty="0"/>
               <a:t>2</a:t>
             </a:r>
             <a:r>
-              <a:rPr lang="ja-JP" altLang="en-US" sz="2800" b="1"/>
+              <a:rPr lang="ja-JP" altLang="en-US" sz="3600" b="1"/>
               <a:t>回</a:t>
             </a:r>
           </a:p>
@@ -3436,8 +3440,8 @@
         </p:nvSpPr>
         <p:spPr>
           <a:xfrm>
-            <a:off x="3535166" y="2896045"/>
-            <a:ext cx="8526052" cy="1938992"/>
+            <a:off x="684372" y="3446585"/>
+            <a:ext cx="11104684" cy="2554545"/>
           </a:xfrm>
           <a:prstGeom prst="rect">
             <a:avLst/>
@@ -3445,60 +3449,60 @@
           <a:noFill/>
         </p:spPr>
         <p:txBody>
-          <a:bodyPr wrap="none" rtlCol="0">
+          <a:bodyPr wrap="square" rtlCol="0">
             <a:spAutoFit/>
           </a:bodyPr>
           <a:lstStyle/>
           <a:p>
             <a:r>
-              <a:rPr lang="ja-JP" altLang="en-US" sz="2400"/>
+              <a:rPr lang="ja-JP" altLang="en-US" sz="3200"/>
               <a:t>会場はこちらです。</a:t>
             </a:r>
-            <a:endParaRPr lang="en-US" altLang="ja-JP" sz="2400" dirty="0"/>
-          </a:p>
-          <a:p>
-            <a:endParaRPr lang="en-US" altLang="ja-JP" sz="2400" dirty="0"/>
-          </a:p>
-          <a:p>
-            <a:r>
-              <a:rPr lang="en-US" altLang="ja-JP" sz="2400" dirty="0" err="1"/>
+            <a:endParaRPr lang="en-US" altLang="ja-JP" sz="3200" dirty="0"/>
+          </a:p>
+          <a:p>
+            <a:endParaRPr lang="en-US" altLang="ja-JP" sz="3200" dirty="0"/>
+          </a:p>
+          <a:p>
+            <a:r>
+              <a:rPr lang="en-US" altLang="ja-JP" sz="3200" dirty="0" err="1"/>
               <a:t>Connpass</a:t>
             </a:r>
             <a:r>
-              <a:rPr lang="ja-JP" altLang="en-US" sz="2400"/>
+              <a:rPr lang="ja-JP" altLang="en-US" sz="3200"/>
               <a:t>より申し込んだ方は、</a:t>
             </a:r>
-            <a:endParaRPr lang="en-US" altLang="ja-JP" sz="2400" dirty="0"/>
-          </a:p>
-          <a:p>
-            <a:r>
-              <a:rPr lang="ja-JP" altLang="en-US" sz="2400"/>
+            <a:endParaRPr lang="en-US" altLang="ja-JP" sz="3200" dirty="0"/>
+          </a:p>
+          <a:p>
+            <a:r>
+              <a:rPr lang="ja-JP" altLang="en-US" sz="3200"/>
               <a:t>主催っぽい人に声を掛けて</a:t>
             </a:r>
             <a:r>
-              <a:rPr lang="en-US" altLang="ja-JP" sz="2400" dirty="0"/>
+              <a:rPr lang="en-US" altLang="ja-JP" sz="3200" dirty="0"/>
               <a:t>2,000</a:t>
             </a:r>
             <a:r>
-              <a:rPr lang="ja-JP" altLang="en-US" sz="2400"/>
+              <a:rPr lang="ja-JP" altLang="en-US" sz="3200"/>
               <a:t>円をお支払いください。</a:t>
             </a:r>
-            <a:endParaRPr lang="en-US" altLang="ja-JP" sz="2400" dirty="0"/>
-          </a:p>
-          <a:p>
-            <a:r>
-              <a:rPr lang="ja-JP" altLang="en-US" sz="2400"/>
+            <a:endParaRPr lang="en-US" altLang="ja-JP" sz="3200" dirty="0"/>
+          </a:p>
+          <a:p>
+            <a:r>
+              <a:rPr lang="ja-JP" altLang="en-US" sz="3200"/>
               <a:t>席は自由、</a:t>
             </a:r>
             <a:r>
-              <a:rPr lang="en-US" altLang="ja-JP" sz="2400" dirty="0"/>
+              <a:rPr lang="en-US" altLang="ja-JP" sz="3200" dirty="0"/>
               <a:t>AC</a:t>
             </a:r>
             <a:r>
-              <a:rPr lang="ja-JP" altLang="en-US" sz="2400"/>
+              <a:rPr lang="ja-JP" altLang="en-US" sz="3200"/>
               <a:t>アダプタが必要な場合は声を掛けてください。</a:t>
             </a:r>
-            <a:endParaRPr lang="en-US" altLang="ja-JP" sz="2400" dirty="0"/>
+            <a:endParaRPr lang="en-US" altLang="ja-JP" sz="3200" dirty="0"/>
           </a:p>
         </p:txBody>
       </p:sp>
@@ -3554,8 +3558,8 @@
         </p:nvSpPr>
         <p:spPr>
           <a:xfrm>
-            <a:off x="2105164" y="222741"/>
-            <a:ext cx="7981672" cy="1569660"/>
+            <a:off x="349513" y="3078039"/>
+            <a:ext cx="7981672" cy="1077218"/>
           </a:xfrm>
           <a:prstGeom prst="rect">
             <a:avLst/>
@@ -3578,14 +3582,6 @@
           <a:p>
             <a:pPr algn="ctr"/>
             <a:r>
-              <a:rPr lang="ja-JP" altLang="en-US" sz="3200" b="1"/>
-              <a:t>↓</a:t>
-            </a:r>
-            <a:endParaRPr lang="en-US" altLang="ja-JP" sz="3200" b="1" dirty="0"/>
-          </a:p>
-          <a:p>
-            <a:pPr algn="ctr"/>
-            <a:r>
               <a:rPr lang="en-US" altLang="ja-JP" sz="3200" b="1" dirty="0">
                 <a:hlinkClick r:id="rId2"/>
               </a:rPr>
@@ -3609,7 +3605,7 @@
         </p:nvSpPr>
         <p:spPr>
           <a:xfrm>
-            <a:off x="5600700" y="5657671"/>
+            <a:off x="472605" y="5611613"/>
             <a:ext cx="6591300" cy="1200329"/>
           </a:xfrm>
           <a:prstGeom prst="rect">
@@ -3682,7 +3678,7 @@
         </p:blipFill>
         <p:spPr>
           <a:xfrm>
-            <a:off x="4107106" y="1736143"/>
+            <a:off x="8214213" y="1679884"/>
             <a:ext cx="3977787" cy="3977787"/>
           </a:xfrm>
           <a:prstGeom prst="rect">
@@ -3690,6 +3686,105 @@
           </a:prstGeom>
         </p:spPr>
       </p:pic>
+      <p:pic>
+        <p:nvPicPr>
+          <p:cNvPr id="5" name="Picture 4">
+            <a:extLst>
+              <a:ext uri="{FF2B5EF4-FFF2-40B4-BE49-F238E27FC236}">
+                <a16:creationId xmlns:a16="http://schemas.microsoft.com/office/drawing/2014/main" id="{49B0B469-0B8C-0149-935F-4819606E7BE7}"/>
+              </a:ext>
+            </a:extLst>
+          </p:cNvPr>
+          <p:cNvPicPr>
+            <a:picLocks noChangeAspect="1"/>
+          </p:cNvPicPr>
+          <p:nvPr/>
+        </p:nvPicPr>
+        <p:blipFill>
+          <a:blip r:embed="rId4"/>
+          <a:stretch>
+            <a:fillRect/>
+          </a:stretch>
+        </p:blipFill>
+        <p:spPr>
+          <a:xfrm>
+            <a:off x="586904" y="76652"/>
+            <a:ext cx="1160287" cy="1160287"/>
+          </a:xfrm>
+          <a:prstGeom prst="rect">
+            <a:avLst/>
+          </a:prstGeom>
+        </p:spPr>
+      </p:pic>
+      <p:sp>
+        <p:nvSpPr>
+          <p:cNvPr id="7" name="TextBox 6">
+            <a:extLst>
+              <a:ext uri="{FF2B5EF4-FFF2-40B4-BE49-F238E27FC236}">
+                <a16:creationId xmlns:a16="http://schemas.microsoft.com/office/drawing/2014/main" id="{19C3023F-B7B5-9341-80AA-8FDD0E5F7B23}"/>
+              </a:ext>
+            </a:extLst>
+          </p:cNvPr>
+          <p:cNvSpPr txBox="1"/>
+          <p:nvPr/>
+        </p:nvSpPr>
+        <p:spPr>
+          <a:xfrm>
+            <a:off x="472605" y="398809"/>
+            <a:ext cx="11246789" cy="1508105"/>
+          </a:xfrm>
+          <a:prstGeom prst="rect">
+            <a:avLst/>
+          </a:prstGeom>
+          <a:noFill/>
+        </p:spPr>
+        <p:txBody>
+          <a:bodyPr wrap="square" rtlCol="0">
+            <a:spAutoFit/>
+          </a:bodyPr>
+          <a:lstStyle/>
+          <a:p>
+            <a:r>
+              <a:rPr lang="en-US" altLang="ja-JP" sz="2800" dirty="0"/>
+              <a:t>                </a:t>
+            </a:r>
+            <a:r>
+              <a:rPr lang="ja-JP" altLang="en-US" sz="2800"/>
+              <a:t>ゼタント勉強会</a:t>
+            </a:r>
+            <a:endParaRPr lang="en-US" altLang="ja-JP" sz="2800" dirty="0"/>
+          </a:p>
+          <a:p>
+            <a:endParaRPr lang="en-US" sz="2800" b="1" dirty="0"/>
+          </a:p>
+          <a:p>
+            <a:r>
+              <a:rPr lang="en-US" sz="3600" b="1" dirty="0"/>
+              <a:t>JavaScript</a:t>
+            </a:r>
+            <a:r>
+              <a:rPr lang="ja-JP" altLang="en-US" sz="3600" b="1"/>
+              <a:t>を使って学ぶ</a:t>
+            </a:r>
+            <a:r>
+              <a:rPr lang="en-US" sz="3600" b="1" dirty="0"/>
+              <a:t>End-to-End</a:t>
+            </a:r>
+            <a:r>
+              <a:rPr lang="ja-JP" altLang="en-US" sz="3600" b="1"/>
+              <a:t>セキュリティ 第</a:t>
+            </a:r>
+            <a:r>
+              <a:rPr lang="en-US" altLang="ja-JP" sz="3600" b="1" dirty="0"/>
+              <a:t>2</a:t>
+            </a:r>
+            <a:r>
+              <a:rPr lang="ja-JP" altLang="en-US" sz="3600" b="1"/>
+              <a:t>回</a:t>
+            </a:r>
+          </a:p>
+        </p:txBody>
+      </p:sp>
     </p:spTree>
     <p:extLst>
       <p:ext uri="{BB962C8B-B14F-4D97-AF65-F5344CB8AC3E}">

--- a/chirashi.pptx
+++ b/chirashi.pptx
@@ -7,6 +7,7 @@
   <p:sldIdLst>
     <p:sldId id="256" r:id="rId2"/>
     <p:sldId id="257" r:id="rId3"/>
+    <p:sldId id="258" r:id="rId4"/>
   </p:sldIdLst>
   <p:sldSz cx="12192000" cy="6858000"/>
   <p:notesSz cx="6858000" cy="9144000"/>
@@ -260,7 +261,7 @@
           <a:p>
             <a:fld id="{4291F35A-A149-6D41-83FC-CDFE93DD8427}" type="datetimeFigureOut">
               <a:rPr lang="en-US" smtClean="0"/>
-              <a:t>10/3/19</a:t>
+              <a:t>10/16/19</a:t>
             </a:fld>
             <a:endParaRPr lang="en-US"/>
           </a:p>
@@ -458,7 +459,7 @@
           <a:p>
             <a:fld id="{4291F35A-A149-6D41-83FC-CDFE93DD8427}" type="datetimeFigureOut">
               <a:rPr lang="en-US" smtClean="0"/>
-              <a:t>10/3/19</a:t>
+              <a:t>10/16/19</a:t>
             </a:fld>
             <a:endParaRPr lang="en-US"/>
           </a:p>
@@ -666,7 +667,7 @@
           <a:p>
             <a:fld id="{4291F35A-A149-6D41-83FC-CDFE93DD8427}" type="datetimeFigureOut">
               <a:rPr lang="en-US" smtClean="0"/>
-              <a:t>10/3/19</a:t>
+              <a:t>10/16/19</a:t>
             </a:fld>
             <a:endParaRPr lang="en-US"/>
           </a:p>
@@ -864,7 +865,7 @@
           <a:p>
             <a:fld id="{4291F35A-A149-6D41-83FC-CDFE93DD8427}" type="datetimeFigureOut">
               <a:rPr lang="en-US" smtClean="0"/>
-              <a:t>10/3/19</a:t>
+              <a:t>10/16/19</a:t>
             </a:fld>
             <a:endParaRPr lang="en-US"/>
           </a:p>
@@ -1139,7 +1140,7 @@
           <a:p>
             <a:fld id="{4291F35A-A149-6D41-83FC-CDFE93DD8427}" type="datetimeFigureOut">
               <a:rPr lang="en-US" smtClean="0"/>
-              <a:t>10/3/19</a:t>
+              <a:t>10/16/19</a:t>
             </a:fld>
             <a:endParaRPr lang="en-US"/>
           </a:p>
@@ -1404,7 +1405,7 @@
           <a:p>
             <a:fld id="{4291F35A-A149-6D41-83FC-CDFE93DD8427}" type="datetimeFigureOut">
               <a:rPr lang="en-US" smtClean="0"/>
-              <a:t>10/3/19</a:t>
+              <a:t>10/16/19</a:t>
             </a:fld>
             <a:endParaRPr lang="en-US"/>
           </a:p>
@@ -1816,7 +1817,7 @@
           <a:p>
             <a:fld id="{4291F35A-A149-6D41-83FC-CDFE93DD8427}" type="datetimeFigureOut">
               <a:rPr lang="en-US" smtClean="0"/>
-              <a:t>10/3/19</a:t>
+              <a:t>10/16/19</a:t>
             </a:fld>
             <a:endParaRPr lang="en-US"/>
           </a:p>
@@ -1957,7 +1958,7 @@
           <a:p>
             <a:fld id="{4291F35A-A149-6D41-83FC-CDFE93DD8427}" type="datetimeFigureOut">
               <a:rPr lang="en-US" smtClean="0"/>
-              <a:t>10/3/19</a:t>
+              <a:t>10/16/19</a:t>
             </a:fld>
             <a:endParaRPr lang="en-US"/>
           </a:p>
@@ -2070,7 +2071,7 @@
           <a:p>
             <a:fld id="{4291F35A-A149-6D41-83FC-CDFE93DD8427}" type="datetimeFigureOut">
               <a:rPr lang="en-US" smtClean="0"/>
-              <a:t>10/3/19</a:t>
+              <a:t>10/16/19</a:t>
             </a:fld>
             <a:endParaRPr lang="en-US"/>
           </a:p>
@@ -2381,7 +2382,7 @@
           <a:p>
             <a:fld id="{4291F35A-A149-6D41-83FC-CDFE93DD8427}" type="datetimeFigureOut">
               <a:rPr lang="en-US" smtClean="0"/>
-              <a:t>10/3/19</a:t>
+              <a:t>10/16/19</a:t>
             </a:fld>
             <a:endParaRPr lang="en-US"/>
           </a:p>
@@ -2669,7 +2670,7 @@
           <a:p>
             <a:fld id="{4291F35A-A149-6D41-83FC-CDFE93DD8427}" type="datetimeFigureOut">
               <a:rPr lang="en-US" smtClean="0"/>
-              <a:t>10/3/19</a:t>
+              <a:t>10/16/19</a:t>
             </a:fld>
             <a:endParaRPr lang="en-US"/>
           </a:p>
@@ -2910,7 +2911,7 @@
           <a:p>
             <a:fld id="{4291F35A-A149-6D41-83FC-CDFE93DD8427}" type="datetimeFigureOut">
               <a:rPr lang="en-US" smtClean="0"/>
-              <a:t>10/3/19</a:t>
+              <a:t>10/16/19</a:t>
             </a:fld>
             <a:endParaRPr lang="en-US"/>
           </a:p>
@@ -3417,7 +3418,7 @@
             </a:r>
             <a:r>
               <a:rPr lang="en-US" altLang="ja-JP" sz="3600" b="1" dirty="0"/>
-              <a:t>2</a:t>
+              <a:t>3</a:t>
             </a:r>
             <a:r>
               <a:rPr lang="ja-JP" altLang="en-US" sz="3600" b="1"/>
@@ -3441,7 +3442,7 @@
         <p:spPr>
           <a:xfrm>
             <a:off x="684372" y="3446585"/>
-            <a:ext cx="11104684" cy="2554545"/>
+            <a:ext cx="11104684" cy="1569660"/>
           </a:xfrm>
           <a:prstGeom prst="rect">
             <a:avLst/>
@@ -3461,32 +3462,6 @@
             <a:endParaRPr lang="en-US" altLang="ja-JP" sz="3200" dirty="0"/>
           </a:p>
           <a:p>
-            <a:endParaRPr lang="en-US" altLang="ja-JP" sz="3200" dirty="0"/>
-          </a:p>
-          <a:p>
-            <a:r>
-              <a:rPr lang="en-US" altLang="ja-JP" sz="3200" dirty="0" err="1"/>
-              <a:t>Connpass</a:t>
-            </a:r>
-            <a:r>
-              <a:rPr lang="ja-JP" altLang="en-US" sz="3200"/>
-              <a:t>より申し込んだ方は、</a:t>
-            </a:r>
-            <a:endParaRPr lang="en-US" altLang="ja-JP" sz="3200" dirty="0"/>
-          </a:p>
-          <a:p>
-            <a:r>
-              <a:rPr lang="ja-JP" altLang="en-US" sz="3200"/>
-              <a:t>主催っぽい人に声を掛けて</a:t>
-            </a:r>
-            <a:r>
-              <a:rPr lang="en-US" altLang="ja-JP" sz="3200" dirty="0"/>
-              <a:t>2,000</a:t>
-            </a:r>
-            <a:r>
-              <a:rPr lang="ja-JP" altLang="en-US" sz="3200"/>
-              <a:t>円をお支払いください。</a:t>
-            </a:r>
             <a:endParaRPr lang="en-US" altLang="ja-JP" sz="3200" dirty="0"/>
           </a:p>
           <a:p>
@@ -3585,7 +3560,7 @@
               <a:rPr lang="en-US" altLang="ja-JP" sz="3200" b="1" dirty="0">
                 <a:hlinkClick r:id="rId2"/>
               </a:rPr>
-              <a:t>https://github.com/zettant/e2e-security-02</a:t>
+              <a:t>https://github.com/zettant/e2e-security-03</a:t>
             </a:r>
             <a:endParaRPr lang="en-US" altLang="ja-JP" sz="3200" b="1" dirty="0"/>
           </a:p>
@@ -3658,10 +3633,10 @@
       </p:sp>
       <p:pic>
         <p:nvPicPr>
-          <p:cNvPr id="6" name="Picture 5">
-            <a:extLst>
-              <a:ext uri="{FF2B5EF4-FFF2-40B4-BE49-F238E27FC236}">
-                <a16:creationId xmlns:a16="http://schemas.microsoft.com/office/drawing/2014/main" id="{762FA8B6-A860-4043-B958-629F3B569EC7}"/>
+          <p:cNvPr id="5" name="Picture 4">
+            <a:extLst>
+              <a:ext uri="{FF2B5EF4-FFF2-40B4-BE49-F238E27FC236}">
+                <a16:creationId xmlns:a16="http://schemas.microsoft.com/office/drawing/2014/main" id="{49B0B469-0B8C-0149-935F-4819606E7BE7}"/>
               </a:ext>
             </a:extLst>
           </p:cNvPr>
@@ -3672,36 +3647,6 @@
         </p:nvPicPr>
         <p:blipFill>
           <a:blip r:embed="rId3"/>
-          <a:stretch>
-            <a:fillRect/>
-          </a:stretch>
-        </p:blipFill>
-        <p:spPr>
-          <a:xfrm>
-            <a:off x="8214213" y="1679884"/>
-            <a:ext cx="3977787" cy="3977787"/>
-          </a:xfrm>
-          <a:prstGeom prst="rect">
-            <a:avLst/>
-          </a:prstGeom>
-        </p:spPr>
-      </p:pic>
-      <p:pic>
-        <p:nvPicPr>
-          <p:cNvPr id="5" name="Picture 4">
-            <a:extLst>
-              <a:ext uri="{FF2B5EF4-FFF2-40B4-BE49-F238E27FC236}">
-                <a16:creationId xmlns:a16="http://schemas.microsoft.com/office/drawing/2014/main" id="{49B0B469-0B8C-0149-935F-4819606E7BE7}"/>
-              </a:ext>
-            </a:extLst>
-          </p:cNvPr>
-          <p:cNvPicPr>
-            <a:picLocks noChangeAspect="1"/>
-          </p:cNvPicPr>
-          <p:nvPr/>
-        </p:nvPicPr>
-        <p:blipFill>
-          <a:blip r:embed="rId4"/>
           <a:stretch>
             <a:fillRect/>
           </a:stretch>
@@ -3750,7 +3695,7 @@
             </a:r>
             <a:r>
               <a:rPr lang="ja-JP" altLang="en-US" sz="2800"/>
-              <a:t>ゼタント勉強会</a:t>
+              <a:t>本日のゼタント勉強会</a:t>
             </a:r>
             <a:endParaRPr lang="en-US" altLang="ja-JP" sz="2800" dirty="0"/>
           </a:p>
@@ -3776,7 +3721,7 @@
             </a:r>
             <a:r>
               <a:rPr lang="en-US" altLang="ja-JP" sz="3600" b="1" dirty="0"/>
-              <a:t>2</a:t>
+              <a:t>3</a:t>
             </a:r>
             <a:r>
               <a:rPr lang="ja-JP" altLang="en-US" sz="3600" b="1"/>
@@ -3785,10 +3730,272 @@
           </a:p>
         </p:txBody>
       </p:sp>
+      <p:pic>
+        <p:nvPicPr>
+          <p:cNvPr id="8" name="Picture 7">
+            <a:extLst>
+              <a:ext uri="{FF2B5EF4-FFF2-40B4-BE49-F238E27FC236}">
+                <a16:creationId xmlns:a16="http://schemas.microsoft.com/office/drawing/2014/main" id="{10DBB0A1-4182-1345-AFBA-E437D900DD84}"/>
+              </a:ext>
+            </a:extLst>
+          </p:cNvPr>
+          <p:cNvPicPr>
+            <a:picLocks noChangeAspect="1"/>
+          </p:cNvPicPr>
+          <p:nvPr/>
+        </p:nvPicPr>
+        <p:blipFill>
+          <a:blip r:embed="rId4"/>
+          <a:stretch>
+            <a:fillRect/>
+          </a:stretch>
+        </p:blipFill>
+        <p:spPr>
+          <a:xfrm>
+            <a:off x="8169518" y="1906913"/>
+            <a:ext cx="4022481" cy="4022481"/>
+          </a:xfrm>
+          <a:prstGeom prst="rect">
+            <a:avLst/>
+          </a:prstGeom>
+        </p:spPr>
+      </p:pic>
     </p:spTree>
     <p:extLst>
       <p:ext uri="{BB962C8B-B14F-4D97-AF65-F5344CB8AC3E}">
         <p14:creationId xmlns:p14="http://schemas.microsoft.com/office/powerpoint/2010/main" val="4191159604"/>
+      </p:ext>
+    </p:extLst>
+  </p:cSld>
+  <p:clrMapOvr>
+    <a:masterClrMapping/>
+  </p:clrMapOvr>
+</p:sld>
+</file>
+
+<file path=ppt/slides/slide3.xml><?xml version="1.0" encoding="utf-8"?>
+<p:sld xmlns:a="http://schemas.openxmlformats.org/drawingml/2006/main" xmlns:r="http://schemas.openxmlformats.org/officeDocument/2006/relationships" xmlns:p="http://schemas.openxmlformats.org/presentationml/2006/main">
+  <p:cSld>
+    <p:spTree>
+      <p:nvGrpSpPr>
+        <p:cNvPr id="1" name=""/>
+        <p:cNvGrpSpPr/>
+        <p:nvPr/>
+      </p:nvGrpSpPr>
+      <p:grpSpPr>
+        <a:xfrm>
+          <a:off x="0" y="0"/>
+          <a:ext cx="0" cy="0"/>
+          <a:chOff x="0" y="0"/>
+          <a:chExt cx="0" cy="0"/>
+        </a:xfrm>
+      </p:grpSpPr>
+      <p:pic>
+        <p:nvPicPr>
+          <p:cNvPr id="4" name="Picture 3">
+            <a:extLst>
+              <a:ext uri="{FF2B5EF4-FFF2-40B4-BE49-F238E27FC236}">
+                <a16:creationId xmlns:a16="http://schemas.microsoft.com/office/drawing/2014/main" id="{7D13D254-B263-AC42-9AD2-726DBC75530E}"/>
+              </a:ext>
+            </a:extLst>
+          </p:cNvPr>
+          <p:cNvPicPr>
+            <a:picLocks noChangeAspect="1"/>
+          </p:cNvPicPr>
+          <p:nvPr/>
+        </p:nvPicPr>
+        <p:blipFill>
+          <a:blip r:embed="rId2"/>
+          <a:stretch>
+            <a:fillRect/>
+          </a:stretch>
+        </p:blipFill>
+        <p:spPr>
+          <a:xfrm>
+            <a:off x="586904" y="76652"/>
+            <a:ext cx="1160287" cy="1160287"/>
+          </a:xfrm>
+          <a:prstGeom prst="rect">
+            <a:avLst/>
+          </a:prstGeom>
+        </p:spPr>
+      </p:pic>
+      <p:sp>
+        <p:nvSpPr>
+          <p:cNvPr id="5" name="TextBox 4">
+            <a:extLst>
+              <a:ext uri="{FF2B5EF4-FFF2-40B4-BE49-F238E27FC236}">
+                <a16:creationId xmlns:a16="http://schemas.microsoft.com/office/drawing/2014/main" id="{72FC2F3F-9761-2E49-A63E-3F019ADD212D}"/>
+              </a:ext>
+            </a:extLst>
+          </p:cNvPr>
+          <p:cNvSpPr txBox="1"/>
+          <p:nvPr/>
+        </p:nvSpPr>
+        <p:spPr>
+          <a:xfrm>
+            <a:off x="472605" y="398809"/>
+            <a:ext cx="11246789" cy="1508105"/>
+          </a:xfrm>
+          <a:prstGeom prst="rect">
+            <a:avLst/>
+          </a:prstGeom>
+          <a:noFill/>
+        </p:spPr>
+        <p:txBody>
+          <a:bodyPr wrap="square" rtlCol="0">
+            <a:spAutoFit/>
+          </a:bodyPr>
+          <a:lstStyle/>
+          <a:p>
+            <a:r>
+              <a:rPr lang="en-US" altLang="ja-JP" sz="2800" dirty="0"/>
+              <a:t>                </a:t>
+            </a:r>
+            <a:r>
+              <a:rPr lang="ja-JP" altLang="en-US" sz="2800"/>
+              <a:t>次回のゼタント勉強会</a:t>
+            </a:r>
+            <a:endParaRPr lang="en-US" altLang="ja-JP" sz="2800" dirty="0"/>
+          </a:p>
+          <a:p>
+            <a:endParaRPr lang="en-US" sz="2800" b="1" dirty="0"/>
+          </a:p>
+          <a:p>
+            <a:r>
+              <a:rPr lang="en-US" sz="3600" b="1" dirty="0"/>
+              <a:t>JavaScript</a:t>
+            </a:r>
+            <a:r>
+              <a:rPr lang="ja-JP" altLang="en-US" sz="3600" b="1"/>
+              <a:t>を使って学ぶ</a:t>
+            </a:r>
+            <a:r>
+              <a:rPr lang="en-US" sz="3600" b="1" dirty="0"/>
+              <a:t>End-to-End</a:t>
+            </a:r>
+            <a:r>
+              <a:rPr lang="ja-JP" altLang="en-US" sz="3600" b="1"/>
+              <a:t>セキュリティ 第</a:t>
+            </a:r>
+            <a:r>
+              <a:rPr lang="en-US" altLang="ja-JP" sz="3600" b="1" dirty="0"/>
+              <a:t>4</a:t>
+            </a:r>
+            <a:r>
+              <a:rPr lang="ja-JP" altLang="en-US" sz="3600" b="1"/>
+              <a:t>回</a:t>
+            </a:r>
+          </a:p>
+        </p:txBody>
+      </p:sp>
+      <p:pic>
+        <p:nvPicPr>
+          <p:cNvPr id="7" name="Picture 6">
+            <a:extLst>
+              <a:ext uri="{FF2B5EF4-FFF2-40B4-BE49-F238E27FC236}">
+                <a16:creationId xmlns:a16="http://schemas.microsoft.com/office/drawing/2014/main" id="{5009D3AB-314A-BB48-AAAC-B2A385F6611A}"/>
+              </a:ext>
+            </a:extLst>
+          </p:cNvPr>
+          <p:cNvPicPr>
+            <a:picLocks noChangeAspect="1"/>
+          </p:cNvPicPr>
+          <p:nvPr/>
+        </p:nvPicPr>
+        <p:blipFill>
+          <a:blip r:embed="rId3"/>
+          <a:stretch>
+            <a:fillRect/>
+          </a:stretch>
+        </p:blipFill>
+        <p:spPr>
+          <a:xfrm>
+            <a:off x="4028342" y="2246655"/>
+            <a:ext cx="3770435" cy="3770435"/>
+          </a:xfrm>
+          <a:prstGeom prst="rect">
+            <a:avLst/>
+          </a:prstGeom>
+        </p:spPr>
+      </p:pic>
+      <p:sp>
+        <p:nvSpPr>
+          <p:cNvPr id="8" name="Rectangle 7">
+            <a:extLst>
+              <a:ext uri="{FF2B5EF4-FFF2-40B4-BE49-F238E27FC236}">
+                <a16:creationId xmlns:a16="http://schemas.microsoft.com/office/drawing/2014/main" id="{4DC7B9FA-22C6-1F49-BA58-6FD2FDE99693}"/>
+              </a:ext>
+            </a:extLst>
+          </p:cNvPr>
+          <p:cNvSpPr/>
+          <p:nvPr/>
+        </p:nvSpPr>
+        <p:spPr>
+          <a:xfrm>
+            <a:off x="2502428" y="5755480"/>
+            <a:ext cx="7064049" cy="523220"/>
+          </a:xfrm>
+          <a:prstGeom prst="rect">
+            <a:avLst/>
+          </a:prstGeom>
+        </p:spPr>
+        <p:txBody>
+          <a:bodyPr wrap="square">
+            <a:spAutoFit/>
+          </a:bodyPr>
+          <a:lstStyle/>
+          <a:p>
+            <a:r>
+              <a:rPr lang="en-US" sz="2800" dirty="0">
+                <a:hlinkClick r:id="rId4"/>
+              </a:rPr>
+              <a:t>https://zettant.connpass.com/event/151622/</a:t>
+            </a:r>
+            <a:endParaRPr lang="en-US" sz="2800" dirty="0"/>
+          </a:p>
+        </p:txBody>
+      </p:sp>
+      <p:sp>
+        <p:nvSpPr>
+          <p:cNvPr id="9" name="TextBox 8">
+            <a:extLst>
+              <a:ext uri="{FF2B5EF4-FFF2-40B4-BE49-F238E27FC236}">
+                <a16:creationId xmlns:a16="http://schemas.microsoft.com/office/drawing/2014/main" id="{9652AA31-51F5-1D45-91C5-A6BB8B9D1822}"/>
+              </a:ext>
+            </a:extLst>
+          </p:cNvPr>
+          <p:cNvSpPr txBox="1"/>
+          <p:nvPr/>
+        </p:nvSpPr>
+        <p:spPr>
+          <a:xfrm>
+            <a:off x="4782480" y="2228054"/>
+            <a:ext cx="2262158" cy="369332"/>
+          </a:xfrm>
+          <a:prstGeom prst="rect">
+            <a:avLst/>
+          </a:prstGeom>
+          <a:noFill/>
+        </p:spPr>
+        <p:txBody>
+          <a:bodyPr wrap="none" rtlCol="0">
+            <a:spAutoFit/>
+          </a:bodyPr>
+          <a:lstStyle/>
+          <a:p>
+            <a:r>
+              <a:rPr lang="ja-JP" altLang="en-US" b="1"/>
+              <a:t>申し込みはこちら！</a:t>
+            </a:r>
+            <a:endParaRPr lang="en-US" b="1" dirty="0"/>
+          </a:p>
+        </p:txBody>
+      </p:sp>
+    </p:spTree>
+    <p:extLst>
+      <p:ext uri="{BB962C8B-B14F-4D97-AF65-F5344CB8AC3E}">
+        <p14:creationId xmlns:p14="http://schemas.microsoft.com/office/powerpoint/2010/main" val="2034698216"/>
       </p:ext>
     </p:extLst>
   </p:cSld>

--- a/chirashi.pptx
+++ b/chirashi.pptx
@@ -7,7 +7,6 @@
   <p:sldIdLst>
     <p:sldId id="256" r:id="rId2"/>
     <p:sldId id="257" r:id="rId3"/>
-    <p:sldId id="258" r:id="rId4"/>
   </p:sldIdLst>
   <p:sldSz cx="12192000" cy="6858000"/>
   <p:notesSz cx="6858000" cy="9144000"/>
@@ -261,7 +260,7 @@
           <a:p>
             <a:fld id="{4291F35A-A149-6D41-83FC-CDFE93DD8427}" type="datetimeFigureOut">
               <a:rPr lang="en-US" smtClean="0"/>
-              <a:t>10/16/19</a:t>
+              <a:t>10/31/19</a:t>
             </a:fld>
             <a:endParaRPr lang="en-US"/>
           </a:p>
@@ -459,7 +458,7 @@
           <a:p>
             <a:fld id="{4291F35A-A149-6D41-83FC-CDFE93DD8427}" type="datetimeFigureOut">
               <a:rPr lang="en-US" smtClean="0"/>
-              <a:t>10/16/19</a:t>
+              <a:t>10/31/19</a:t>
             </a:fld>
             <a:endParaRPr lang="en-US"/>
           </a:p>
@@ -667,7 +666,7 @@
           <a:p>
             <a:fld id="{4291F35A-A149-6D41-83FC-CDFE93DD8427}" type="datetimeFigureOut">
               <a:rPr lang="en-US" smtClean="0"/>
-              <a:t>10/16/19</a:t>
+              <a:t>10/31/19</a:t>
             </a:fld>
             <a:endParaRPr lang="en-US"/>
           </a:p>
@@ -865,7 +864,7 @@
           <a:p>
             <a:fld id="{4291F35A-A149-6D41-83FC-CDFE93DD8427}" type="datetimeFigureOut">
               <a:rPr lang="en-US" smtClean="0"/>
-              <a:t>10/16/19</a:t>
+              <a:t>10/31/19</a:t>
             </a:fld>
             <a:endParaRPr lang="en-US"/>
           </a:p>
@@ -1140,7 +1139,7 @@
           <a:p>
             <a:fld id="{4291F35A-A149-6D41-83FC-CDFE93DD8427}" type="datetimeFigureOut">
               <a:rPr lang="en-US" smtClean="0"/>
-              <a:t>10/16/19</a:t>
+              <a:t>10/31/19</a:t>
             </a:fld>
             <a:endParaRPr lang="en-US"/>
           </a:p>
@@ -1405,7 +1404,7 @@
           <a:p>
             <a:fld id="{4291F35A-A149-6D41-83FC-CDFE93DD8427}" type="datetimeFigureOut">
               <a:rPr lang="en-US" smtClean="0"/>
-              <a:t>10/16/19</a:t>
+              <a:t>10/31/19</a:t>
             </a:fld>
             <a:endParaRPr lang="en-US"/>
           </a:p>
@@ -1817,7 +1816,7 @@
           <a:p>
             <a:fld id="{4291F35A-A149-6D41-83FC-CDFE93DD8427}" type="datetimeFigureOut">
               <a:rPr lang="en-US" smtClean="0"/>
-              <a:t>10/16/19</a:t>
+              <a:t>10/31/19</a:t>
             </a:fld>
             <a:endParaRPr lang="en-US"/>
           </a:p>
@@ -1958,7 +1957,7 @@
           <a:p>
             <a:fld id="{4291F35A-A149-6D41-83FC-CDFE93DD8427}" type="datetimeFigureOut">
               <a:rPr lang="en-US" smtClean="0"/>
-              <a:t>10/16/19</a:t>
+              <a:t>10/31/19</a:t>
             </a:fld>
             <a:endParaRPr lang="en-US"/>
           </a:p>
@@ -2071,7 +2070,7 @@
           <a:p>
             <a:fld id="{4291F35A-A149-6D41-83FC-CDFE93DD8427}" type="datetimeFigureOut">
               <a:rPr lang="en-US" smtClean="0"/>
-              <a:t>10/16/19</a:t>
+              <a:t>10/31/19</a:t>
             </a:fld>
             <a:endParaRPr lang="en-US"/>
           </a:p>
@@ -2382,7 +2381,7 @@
           <a:p>
             <a:fld id="{4291F35A-A149-6D41-83FC-CDFE93DD8427}" type="datetimeFigureOut">
               <a:rPr lang="en-US" smtClean="0"/>
-              <a:t>10/16/19</a:t>
+              <a:t>10/31/19</a:t>
             </a:fld>
             <a:endParaRPr lang="en-US"/>
           </a:p>
@@ -2670,7 +2669,7 @@
           <a:p>
             <a:fld id="{4291F35A-A149-6D41-83FC-CDFE93DD8427}" type="datetimeFigureOut">
               <a:rPr lang="en-US" smtClean="0"/>
-              <a:t>10/16/19</a:t>
+              <a:t>10/31/19</a:t>
             </a:fld>
             <a:endParaRPr lang="en-US"/>
           </a:p>
@@ -2911,7 +2910,7 @@
           <a:p>
             <a:fld id="{4291F35A-A149-6D41-83FC-CDFE93DD8427}" type="datetimeFigureOut">
               <a:rPr lang="en-US" smtClean="0"/>
-              <a:t>10/16/19</a:t>
+              <a:t>10/31/19</a:t>
             </a:fld>
             <a:endParaRPr lang="en-US"/>
           </a:p>
@@ -3418,7 +3417,7 @@
             </a:r>
             <a:r>
               <a:rPr lang="en-US" altLang="ja-JP" sz="3600" b="1" dirty="0"/>
-              <a:t>3</a:t>
+              <a:t>4</a:t>
             </a:r>
             <a:r>
               <a:rPr lang="ja-JP" altLang="en-US" sz="3600" b="1"/>
@@ -3481,6 +3480,36 @@
           </a:p>
         </p:txBody>
       </p:sp>
+      <p:pic>
+        <p:nvPicPr>
+          <p:cNvPr id="5" name="Picture 4">
+            <a:extLst>
+              <a:ext uri="{FF2B5EF4-FFF2-40B4-BE49-F238E27FC236}">
+                <a16:creationId xmlns:a16="http://schemas.microsoft.com/office/drawing/2014/main" id="{77EC79BE-4767-1E4F-A6A9-0CC8F54723CD}"/>
+              </a:ext>
+            </a:extLst>
+          </p:cNvPr>
+          <p:cNvPicPr>
+            <a:picLocks noChangeAspect="1"/>
+          </p:cNvPicPr>
+          <p:nvPr/>
+        </p:nvPicPr>
+        <p:blipFill>
+          <a:blip r:embed="rId3"/>
+          <a:stretch>
+            <a:fillRect/>
+          </a:stretch>
+        </p:blipFill>
+        <p:spPr>
+          <a:xfrm>
+            <a:off x="376433" y="615876"/>
+            <a:ext cx="1638052" cy="1160287"/>
+          </a:xfrm>
+          <a:prstGeom prst="rect">
+            <a:avLst/>
+          </a:prstGeom>
+        </p:spPr>
+      </p:pic>
     </p:spTree>
     <p:extLst>
       <p:ext uri="{BB962C8B-B14F-4D97-AF65-F5344CB8AC3E}">
@@ -3560,7 +3589,7 @@
               <a:rPr lang="en-US" altLang="ja-JP" sz="3200" b="1" dirty="0">
                 <a:hlinkClick r:id="rId2"/>
               </a:rPr>
-              <a:t>https://github.com/zettant/e2e-security-03</a:t>
+              <a:t>https://github.com/zettant/e2e-security-04</a:t>
             </a:r>
             <a:endParaRPr lang="en-US" altLang="ja-JP" sz="3200" b="1" dirty="0"/>
           </a:p>
@@ -3721,7 +3750,7 @@
             </a:r>
             <a:r>
               <a:rPr lang="en-US" altLang="ja-JP" sz="3600" b="1" dirty="0"/>
-              <a:t>3</a:t>
+              <a:t>4</a:t>
             </a:r>
             <a:r>
               <a:rPr lang="ja-JP" altLang="en-US" sz="3600" b="1"/>
@@ -3732,10 +3761,10 @@
       </p:sp>
       <p:pic>
         <p:nvPicPr>
-          <p:cNvPr id="8" name="Picture 7">
-            <a:extLst>
-              <a:ext uri="{FF2B5EF4-FFF2-40B4-BE49-F238E27FC236}">
-                <a16:creationId xmlns:a16="http://schemas.microsoft.com/office/drawing/2014/main" id="{10DBB0A1-4182-1345-AFBA-E437D900DD84}"/>
+          <p:cNvPr id="6" name="Picture 5">
+            <a:extLst>
+              <a:ext uri="{FF2B5EF4-FFF2-40B4-BE49-F238E27FC236}">
+                <a16:creationId xmlns:a16="http://schemas.microsoft.com/office/drawing/2014/main" id="{1E1685E8-A322-6941-A723-05B6AC896F3E}"/>
               </a:ext>
             </a:extLst>
           </p:cNvPr>
@@ -3752,8 +3781,38 @@
         </p:blipFill>
         <p:spPr>
           <a:xfrm>
-            <a:off x="8169518" y="1906913"/>
-            <a:ext cx="4022481" cy="4022481"/>
+            <a:off x="8204688" y="2028092"/>
+            <a:ext cx="3801208" cy="3801208"/>
+          </a:xfrm>
+          <a:prstGeom prst="rect">
+            <a:avLst/>
+          </a:prstGeom>
+        </p:spPr>
+      </p:pic>
+      <p:pic>
+        <p:nvPicPr>
+          <p:cNvPr id="10" name="Picture 9">
+            <a:extLst>
+              <a:ext uri="{FF2B5EF4-FFF2-40B4-BE49-F238E27FC236}">
+                <a16:creationId xmlns:a16="http://schemas.microsoft.com/office/drawing/2014/main" id="{37FE8B3B-06F8-F24A-BEFE-AF3B9BB0060D}"/>
+              </a:ext>
+            </a:extLst>
+          </p:cNvPr>
+          <p:cNvPicPr>
+            <a:picLocks noChangeAspect="1"/>
+          </p:cNvPicPr>
+          <p:nvPr/>
+        </p:nvPicPr>
+        <p:blipFill>
+          <a:blip r:embed="rId5"/>
+          <a:stretch>
+            <a:fillRect/>
+          </a:stretch>
+        </p:blipFill>
+        <p:spPr>
+          <a:xfrm>
+            <a:off x="200586" y="76652"/>
+            <a:ext cx="1638052" cy="1160287"/>
           </a:xfrm>
           <a:prstGeom prst="rect">
             <a:avLst/>
@@ -3764,238 +3823,6 @@
     <p:extLst>
       <p:ext uri="{BB962C8B-B14F-4D97-AF65-F5344CB8AC3E}">
         <p14:creationId xmlns:p14="http://schemas.microsoft.com/office/powerpoint/2010/main" val="4191159604"/>
-      </p:ext>
-    </p:extLst>
-  </p:cSld>
-  <p:clrMapOvr>
-    <a:masterClrMapping/>
-  </p:clrMapOvr>
-</p:sld>
-</file>
-
-<file path=ppt/slides/slide3.xml><?xml version="1.0" encoding="utf-8"?>
-<p:sld xmlns:a="http://schemas.openxmlformats.org/drawingml/2006/main" xmlns:r="http://schemas.openxmlformats.org/officeDocument/2006/relationships" xmlns:p="http://schemas.openxmlformats.org/presentationml/2006/main">
-  <p:cSld>
-    <p:spTree>
-      <p:nvGrpSpPr>
-        <p:cNvPr id="1" name=""/>
-        <p:cNvGrpSpPr/>
-        <p:nvPr/>
-      </p:nvGrpSpPr>
-      <p:grpSpPr>
-        <a:xfrm>
-          <a:off x="0" y="0"/>
-          <a:ext cx="0" cy="0"/>
-          <a:chOff x="0" y="0"/>
-          <a:chExt cx="0" cy="0"/>
-        </a:xfrm>
-      </p:grpSpPr>
-      <p:pic>
-        <p:nvPicPr>
-          <p:cNvPr id="4" name="Picture 3">
-            <a:extLst>
-              <a:ext uri="{FF2B5EF4-FFF2-40B4-BE49-F238E27FC236}">
-                <a16:creationId xmlns:a16="http://schemas.microsoft.com/office/drawing/2014/main" id="{7D13D254-B263-AC42-9AD2-726DBC75530E}"/>
-              </a:ext>
-            </a:extLst>
-          </p:cNvPr>
-          <p:cNvPicPr>
-            <a:picLocks noChangeAspect="1"/>
-          </p:cNvPicPr>
-          <p:nvPr/>
-        </p:nvPicPr>
-        <p:blipFill>
-          <a:blip r:embed="rId2"/>
-          <a:stretch>
-            <a:fillRect/>
-          </a:stretch>
-        </p:blipFill>
-        <p:spPr>
-          <a:xfrm>
-            <a:off x="586904" y="76652"/>
-            <a:ext cx="1160287" cy="1160287"/>
-          </a:xfrm>
-          <a:prstGeom prst="rect">
-            <a:avLst/>
-          </a:prstGeom>
-        </p:spPr>
-      </p:pic>
-      <p:sp>
-        <p:nvSpPr>
-          <p:cNvPr id="5" name="TextBox 4">
-            <a:extLst>
-              <a:ext uri="{FF2B5EF4-FFF2-40B4-BE49-F238E27FC236}">
-                <a16:creationId xmlns:a16="http://schemas.microsoft.com/office/drawing/2014/main" id="{72FC2F3F-9761-2E49-A63E-3F019ADD212D}"/>
-              </a:ext>
-            </a:extLst>
-          </p:cNvPr>
-          <p:cNvSpPr txBox="1"/>
-          <p:nvPr/>
-        </p:nvSpPr>
-        <p:spPr>
-          <a:xfrm>
-            <a:off x="472605" y="398809"/>
-            <a:ext cx="11246789" cy="1508105"/>
-          </a:xfrm>
-          <a:prstGeom prst="rect">
-            <a:avLst/>
-          </a:prstGeom>
-          <a:noFill/>
-        </p:spPr>
-        <p:txBody>
-          <a:bodyPr wrap="square" rtlCol="0">
-            <a:spAutoFit/>
-          </a:bodyPr>
-          <a:lstStyle/>
-          <a:p>
-            <a:r>
-              <a:rPr lang="en-US" altLang="ja-JP" sz="2800" dirty="0"/>
-              <a:t>                </a:t>
-            </a:r>
-            <a:r>
-              <a:rPr lang="ja-JP" altLang="en-US" sz="2800"/>
-              <a:t>次回のゼタント勉強会</a:t>
-            </a:r>
-            <a:endParaRPr lang="en-US" altLang="ja-JP" sz="2800" dirty="0"/>
-          </a:p>
-          <a:p>
-            <a:endParaRPr lang="en-US" sz="2800" b="1" dirty="0"/>
-          </a:p>
-          <a:p>
-            <a:r>
-              <a:rPr lang="en-US" sz="3600" b="1" dirty="0"/>
-              <a:t>JavaScript</a:t>
-            </a:r>
-            <a:r>
-              <a:rPr lang="ja-JP" altLang="en-US" sz="3600" b="1"/>
-              <a:t>を使って学ぶ</a:t>
-            </a:r>
-            <a:r>
-              <a:rPr lang="en-US" sz="3600" b="1" dirty="0"/>
-              <a:t>End-to-End</a:t>
-            </a:r>
-            <a:r>
-              <a:rPr lang="ja-JP" altLang="en-US" sz="3600" b="1"/>
-              <a:t>セキュリティ 第</a:t>
-            </a:r>
-            <a:r>
-              <a:rPr lang="en-US" altLang="ja-JP" sz="3600" b="1" dirty="0"/>
-              <a:t>4</a:t>
-            </a:r>
-            <a:r>
-              <a:rPr lang="ja-JP" altLang="en-US" sz="3600" b="1"/>
-              <a:t>回</a:t>
-            </a:r>
-          </a:p>
-        </p:txBody>
-      </p:sp>
-      <p:pic>
-        <p:nvPicPr>
-          <p:cNvPr id="7" name="Picture 6">
-            <a:extLst>
-              <a:ext uri="{FF2B5EF4-FFF2-40B4-BE49-F238E27FC236}">
-                <a16:creationId xmlns:a16="http://schemas.microsoft.com/office/drawing/2014/main" id="{5009D3AB-314A-BB48-AAAC-B2A385F6611A}"/>
-              </a:ext>
-            </a:extLst>
-          </p:cNvPr>
-          <p:cNvPicPr>
-            <a:picLocks noChangeAspect="1"/>
-          </p:cNvPicPr>
-          <p:nvPr/>
-        </p:nvPicPr>
-        <p:blipFill>
-          <a:blip r:embed="rId3"/>
-          <a:stretch>
-            <a:fillRect/>
-          </a:stretch>
-        </p:blipFill>
-        <p:spPr>
-          <a:xfrm>
-            <a:off x="4028342" y="2246655"/>
-            <a:ext cx="3770435" cy="3770435"/>
-          </a:xfrm>
-          <a:prstGeom prst="rect">
-            <a:avLst/>
-          </a:prstGeom>
-        </p:spPr>
-      </p:pic>
-      <p:sp>
-        <p:nvSpPr>
-          <p:cNvPr id="8" name="Rectangle 7">
-            <a:extLst>
-              <a:ext uri="{FF2B5EF4-FFF2-40B4-BE49-F238E27FC236}">
-                <a16:creationId xmlns:a16="http://schemas.microsoft.com/office/drawing/2014/main" id="{4DC7B9FA-22C6-1F49-BA58-6FD2FDE99693}"/>
-              </a:ext>
-            </a:extLst>
-          </p:cNvPr>
-          <p:cNvSpPr/>
-          <p:nvPr/>
-        </p:nvSpPr>
-        <p:spPr>
-          <a:xfrm>
-            <a:off x="2502428" y="5755480"/>
-            <a:ext cx="7064049" cy="523220"/>
-          </a:xfrm>
-          <a:prstGeom prst="rect">
-            <a:avLst/>
-          </a:prstGeom>
-        </p:spPr>
-        <p:txBody>
-          <a:bodyPr wrap="square">
-            <a:spAutoFit/>
-          </a:bodyPr>
-          <a:lstStyle/>
-          <a:p>
-            <a:r>
-              <a:rPr lang="en-US" sz="2800" dirty="0">
-                <a:hlinkClick r:id="rId4"/>
-              </a:rPr>
-              <a:t>https://zettant.connpass.com/event/151622/</a:t>
-            </a:r>
-            <a:endParaRPr lang="en-US" sz="2800" dirty="0"/>
-          </a:p>
-        </p:txBody>
-      </p:sp>
-      <p:sp>
-        <p:nvSpPr>
-          <p:cNvPr id="9" name="TextBox 8">
-            <a:extLst>
-              <a:ext uri="{FF2B5EF4-FFF2-40B4-BE49-F238E27FC236}">
-                <a16:creationId xmlns:a16="http://schemas.microsoft.com/office/drawing/2014/main" id="{9652AA31-51F5-1D45-91C5-A6BB8B9D1822}"/>
-              </a:ext>
-            </a:extLst>
-          </p:cNvPr>
-          <p:cNvSpPr txBox="1"/>
-          <p:nvPr/>
-        </p:nvSpPr>
-        <p:spPr>
-          <a:xfrm>
-            <a:off x="4782480" y="2228054"/>
-            <a:ext cx="2262158" cy="369332"/>
-          </a:xfrm>
-          <a:prstGeom prst="rect">
-            <a:avLst/>
-          </a:prstGeom>
-          <a:noFill/>
-        </p:spPr>
-        <p:txBody>
-          <a:bodyPr wrap="none" rtlCol="0">
-            <a:spAutoFit/>
-          </a:bodyPr>
-          <a:lstStyle/>
-          <a:p>
-            <a:r>
-              <a:rPr lang="ja-JP" altLang="en-US" b="1"/>
-              <a:t>申し込みはこちら！</a:t>
-            </a:r>
-            <a:endParaRPr lang="en-US" b="1" dirty="0"/>
-          </a:p>
-        </p:txBody>
-      </p:sp>
-    </p:spTree>
-    <p:extLst>
-      <p:ext uri="{BB962C8B-B14F-4D97-AF65-F5344CB8AC3E}">
-        <p14:creationId xmlns:p14="http://schemas.microsoft.com/office/powerpoint/2010/main" val="2034698216"/>
       </p:ext>
     </p:extLst>
   </p:cSld>
